--- a/synthesis.pptx
+++ b/synthesis.pptx
@@ -104,6 +104,11 @@
       </a:defRPr>
     </a:lvl9pPr>
   </p:defaultTextStyle>
+  <p:extLst>
+    <p:ext uri="{EFAFB233-063F-42B5-8137-9DF3F51BA10A}">
+      <p15:sldGuideLst xmlns:p15="http://schemas.microsoft.com/office/powerpoint/2012/main"/>
+    </p:ext>
+  </p:extLst>
 </p:presentation>
 </file>
 
@@ -3409,7 +3414,7 @@
             <p:ph idx="1"/>
             <p:extLst>
               <p:ext uri="{D42A27DB-BD31-4B8C-83A1-F6EECF244321}">
-                <p14:modId xmlns:p14="http://schemas.microsoft.com/office/powerpoint/2010/main" val="3475128026"/>
+                <p14:modId xmlns:p14="http://schemas.microsoft.com/office/powerpoint/2010/main" val="1418330684"/>
               </p:ext>
             </p:extLst>
           </p:nvPr>
@@ -3492,7 +3497,15 @@
                       </a:r>
                       <a:r>
                         <a:rPr lang="fr-FR" dirty="0"/>
-                        <a:t> Classifier</a:t>
+                        <a:t> Classifier (</a:t>
+                      </a:r>
+                      <a:r>
+                        <a:rPr lang="fr-FR" dirty="0" err="1"/>
+                        <a:t>tuned</a:t>
+                      </a:r>
+                      <a:r>
+                        <a:rPr lang="fr-FR" dirty="0"/>
+                        <a:t>)</a:t>
                       </a:r>
                     </a:p>
                   </a:txBody>
@@ -3589,7 +3602,7 @@
                       <a:pPr algn="ctr"/>
                       <a:r>
                         <a:rPr lang="fr-FR" dirty="0"/>
-                        <a:t>73.4%</a:t>
+                        <a:t>67.9%</a:t>
                       </a:r>
                     </a:p>
                   </a:txBody>
@@ -3603,7 +3616,7 @@
                       <a:pPr algn="ctr"/>
                       <a:r>
                         <a:rPr lang="fr-FR" dirty="0"/>
-                        <a:t>33.6%</a:t>
+                        <a:t>56.7%</a:t>
                       </a:r>
                     </a:p>
                   </a:txBody>
@@ -3617,7 +3630,7 @@
                       <a:pPr algn="ctr"/>
                       <a:r>
                         <a:rPr lang="fr-FR" dirty="0"/>
-                        <a:t>67.7%</a:t>
+                        <a:t>49.1%</a:t>
                       </a:r>
                     </a:p>
                   </a:txBody>
@@ -3631,7 +3644,7 @@
                       <a:pPr algn="ctr"/>
                       <a:r>
                         <a:rPr lang="fr-FR" dirty="0"/>
-                        <a:t>39.4%</a:t>
+                        <a:t>58.8%</a:t>
                       </a:r>
                     </a:p>
                   </a:txBody>
@@ -3669,7 +3682,7 @@
                       <a:pPr algn="ctr"/>
                       <a:r>
                         <a:rPr lang="fr-FR" dirty="0"/>
-                        <a:t>50.3%</a:t>
+                        <a:t>53.1%</a:t>
                       </a:r>
                     </a:p>
                   </a:txBody>
@@ -3683,7 +3696,7 @@
                       <a:pPr algn="ctr"/>
                       <a:r>
                         <a:rPr lang="fr-FR" dirty="0"/>
-                        <a:t>59.7%</a:t>
+                        <a:t>57.4%</a:t>
                       </a:r>
                     </a:p>
                   </a:txBody>
@@ -3697,7 +3710,7 @@
                       <a:pPr algn="ctr"/>
                       <a:r>
                         <a:rPr lang="fr-FR" dirty="0"/>
-                        <a:t>38.2%</a:t>
+                        <a:t>56.6%</a:t>
                       </a:r>
                     </a:p>
                   </a:txBody>
@@ -3711,7 +3724,7 @@
                       <a:pPr algn="ctr"/>
                       <a:r>
                         <a:rPr lang="fr-FR" dirty="0"/>
-                        <a:t>62.0%</a:t>
+                        <a:t>58.5%</a:t>
                       </a:r>
                     </a:p>
                   </a:txBody>
@@ -3749,7 +3762,7 @@
                       <a:pPr algn="ctr"/>
                       <a:r>
                         <a:rPr lang="fr-FR" dirty="0"/>
-                        <a:t>61.1%</a:t>
+                        <a:t>63.4%</a:t>
                       </a:r>
                     </a:p>
                   </a:txBody>
@@ -3763,7 +3776,7 @@
                       <a:pPr algn="ctr"/>
                       <a:r>
                         <a:rPr lang="fr-FR" dirty="0"/>
-                        <a:t>54.4%</a:t>
+                        <a:t>51.3%</a:t>
                       </a:r>
                     </a:p>
                   </a:txBody>
@@ -3777,7 +3790,7 @@
                       <a:pPr algn="ctr"/>
                       <a:r>
                         <a:rPr lang="fr-FR" dirty="0"/>
-                        <a:t>40.0%</a:t>
+                        <a:t>48.0%</a:t>
                       </a:r>
                     </a:p>
                   </a:txBody>
@@ -3791,7 +3804,7 @@
                       <a:pPr algn="ctr"/>
                       <a:r>
                         <a:rPr lang="fr-FR" dirty="0"/>
-                        <a:t>55.8%</a:t>
+                        <a:t>52.6%</a:t>
                       </a:r>
                     </a:p>
                   </a:txBody>
@@ -3825,7 +3838,7 @@
                       <a:pPr algn="ctr"/>
                       <a:r>
                         <a:rPr lang="fr-FR" dirty="0"/>
-                        <a:t>74.0%</a:t>
+                        <a:t>77.3%</a:t>
                       </a:r>
                     </a:p>
                   </a:txBody>
@@ -3839,7 +3852,7 @@
                       <a:pPr algn="ctr"/>
                       <a:r>
                         <a:rPr lang="fr-FR" dirty="0"/>
-                        <a:t>76.2%</a:t>
+                        <a:t>74.7%</a:t>
                       </a:r>
                     </a:p>
                   </a:txBody>
@@ -3853,7 +3866,7 @@
                       <a:pPr algn="ctr"/>
                       <a:r>
                         <a:rPr lang="fr-FR" dirty="0"/>
-                        <a:t>70.0%</a:t>
+                        <a:t>75.2%</a:t>
                       </a:r>
                     </a:p>
                   </a:txBody>
@@ -3867,7 +3880,7 @@
                       <a:pPr algn="ctr"/>
                       <a:r>
                         <a:rPr lang="fr-FR" dirty="0"/>
-                        <a:t>89.4%</a:t>
+                        <a:t>79.0%</a:t>
                       </a:r>
                     </a:p>
                   </a:txBody>
@@ -3931,6 +3944,25 @@
                       </a:pPr>
                       <a:r>
                         <a:rPr lang="fr-FR" dirty="0"/>
+                        <a:t>Just good </a:t>
+                      </a:r>
+                      <a:r>
+                        <a:rPr lang="fr-FR" dirty="0" err="1"/>
+                        <a:t>enough</a:t>
+                      </a:r>
+                      <a:endParaRPr lang="fr-FR" dirty="0"/>
+                    </a:p>
+                  </a:txBody>
+                  <a:tcPr/>
+                </a:tc>
+                <a:tc>
+                  <a:txBody>
+                    <a:bodyPr/>
+                    <a:lstStyle/>
+                    <a:p>
+                      <a:pPr algn="ctr"/>
+                      <a:r>
+                        <a:rPr lang="fr-FR" dirty="0"/>
                         <a:t>Not good </a:t>
                       </a:r>
                       <a:r>
@@ -3950,21 +3982,7 @@
                       <a:pPr algn="ctr"/>
                       <a:r>
                         <a:rPr lang="fr-FR" dirty="0"/>
-                        <a:t>Second</a:t>
-                      </a:r>
-                    </a:p>
-                  </a:txBody>
-                  <a:tcPr/>
-                </a:tc>
-                <a:tc>
-                  <a:txBody>
-                    <a:bodyPr/>
-                    <a:lstStyle/>
-                    <a:p>
-                      <a:pPr algn="ctr"/>
-                      <a:r>
-                        <a:rPr lang="fr-FR" dirty="0"/>
-                        <a:t>Not good </a:t>
+                        <a:t>Just good </a:t>
                       </a:r>
                       <a:r>
                         <a:rPr lang="fr-FR" dirty="0" err="1"/>
